--- a/66 - A Calm and Gentle Quiet Reigns Tonight.pptx
+++ b/66 - A Calm and Gentle Quiet Reigns Tonight.pptx
@@ -243,7 +243,7 @@
           <a:p>
             <a:fld id="{32F7251A-AE54-443C-B8FE-5F636E835EBF}" type="datetimeFigureOut">
               <a:rPr lang="en-US" smtClean="0"/>
-              <a:t>3/10/2019</a:t>
+              <a:t>8/2/2020</a:t>
             </a:fld>
             <a:endParaRPr lang="en-US"/>
           </a:p>
@@ -411,7 +411,7 @@
           <a:p>
             <a:fld id="{32F7251A-AE54-443C-B8FE-5F636E835EBF}" type="datetimeFigureOut">
               <a:rPr lang="en-US" smtClean="0"/>
-              <a:t>3/10/2019</a:t>
+              <a:t>8/2/2020</a:t>
             </a:fld>
             <a:endParaRPr lang="en-US"/>
           </a:p>
@@ -589,7 +589,7 @@
           <a:p>
             <a:fld id="{32F7251A-AE54-443C-B8FE-5F636E835EBF}" type="datetimeFigureOut">
               <a:rPr lang="en-US" smtClean="0"/>
-              <a:t>3/10/2019</a:t>
+              <a:t>8/2/2020</a:t>
             </a:fld>
             <a:endParaRPr lang="en-US"/>
           </a:p>
@@ -757,7 +757,7 @@
           <a:p>
             <a:fld id="{32F7251A-AE54-443C-B8FE-5F636E835EBF}" type="datetimeFigureOut">
               <a:rPr lang="en-US" smtClean="0"/>
-              <a:t>3/10/2019</a:t>
+              <a:t>8/2/2020</a:t>
             </a:fld>
             <a:endParaRPr lang="en-US"/>
           </a:p>
@@ -1002,7 +1002,7 @@
           <a:p>
             <a:fld id="{32F7251A-AE54-443C-B8FE-5F636E835EBF}" type="datetimeFigureOut">
               <a:rPr lang="en-US" smtClean="0"/>
-              <a:t>3/10/2019</a:t>
+              <a:t>8/2/2020</a:t>
             </a:fld>
             <a:endParaRPr lang="en-US"/>
           </a:p>
@@ -1231,7 +1231,7 @@
           <a:p>
             <a:fld id="{32F7251A-AE54-443C-B8FE-5F636E835EBF}" type="datetimeFigureOut">
               <a:rPr lang="en-US" smtClean="0"/>
-              <a:t>3/10/2019</a:t>
+              <a:t>8/2/2020</a:t>
             </a:fld>
             <a:endParaRPr lang="en-US"/>
           </a:p>
@@ -1595,7 +1595,7 @@
           <a:p>
             <a:fld id="{32F7251A-AE54-443C-B8FE-5F636E835EBF}" type="datetimeFigureOut">
               <a:rPr lang="en-US" smtClean="0"/>
-              <a:t>3/10/2019</a:t>
+              <a:t>8/2/2020</a:t>
             </a:fld>
             <a:endParaRPr lang="en-US"/>
           </a:p>
@@ -1712,7 +1712,7 @@
           <a:p>
             <a:fld id="{32F7251A-AE54-443C-B8FE-5F636E835EBF}" type="datetimeFigureOut">
               <a:rPr lang="en-US" smtClean="0"/>
-              <a:t>3/10/2019</a:t>
+              <a:t>8/2/2020</a:t>
             </a:fld>
             <a:endParaRPr lang="en-US"/>
           </a:p>
@@ -1807,7 +1807,7 @@
           <a:p>
             <a:fld id="{32F7251A-AE54-443C-B8FE-5F636E835EBF}" type="datetimeFigureOut">
               <a:rPr lang="en-US" smtClean="0"/>
-              <a:t>3/10/2019</a:t>
+              <a:t>8/2/2020</a:t>
             </a:fld>
             <a:endParaRPr lang="en-US"/>
           </a:p>
@@ -2082,7 +2082,7 @@
           <a:p>
             <a:fld id="{32F7251A-AE54-443C-B8FE-5F636E835EBF}" type="datetimeFigureOut">
               <a:rPr lang="en-US" smtClean="0"/>
-              <a:t>3/10/2019</a:t>
+              <a:t>8/2/2020</a:t>
             </a:fld>
             <a:endParaRPr lang="en-US"/>
           </a:p>
@@ -2334,7 +2334,7 @@
           <a:p>
             <a:fld id="{32F7251A-AE54-443C-B8FE-5F636E835EBF}" type="datetimeFigureOut">
               <a:rPr lang="en-US" smtClean="0"/>
-              <a:t>3/10/2019</a:t>
+              <a:t>8/2/2020</a:t>
             </a:fld>
             <a:endParaRPr lang="en-US"/>
           </a:p>
@@ -2401,7 +2401,9 @@
     <p:bg>
       <p:bgPr>
         <a:solidFill>
-          <a:srgbClr val="333333"/>
+          <a:schemeClr val="bg1">
+            <a:lumMod val="10000"/>
+          </a:schemeClr>
         </a:solidFill>
         <a:effectLst/>
       </p:bgPr>
@@ -2548,7 +2550,7 @@
           <a:p>
             <a:fld id="{32F7251A-AE54-443C-B8FE-5F636E835EBF}" type="datetimeFigureOut">
               <a:rPr lang="en-US" smtClean="0"/>
-              <a:t>3/10/2019</a:t>
+              <a:t>8/2/2020</a:t>
             </a:fld>
             <a:endParaRPr lang="en-US"/>
           </a:p>
@@ -3018,8 +3020,8 @@
         </p:nvSpPr>
         <p:spPr>
           <a:xfrm>
-            <a:off x="0" y="5804209"/>
-            <a:ext cx="12192000" cy="830997"/>
+            <a:off x="0" y="5927320"/>
+            <a:ext cx="12192000" cy="584775"/>
           </a:xfrm>
           <a:prstGeom prst="rect">
             <a:avLst/>
@@ -3034,10 +3036,12 @@
           <a:p>
             <a:pPr algn="ctr"/>
             <a:r>
-              <a:rPr lang="en-US" sz="4800" dirty="0">
+              <a:rPr lang="en-US" sz="3200" u="sng" dirty="0">
                 <a:solidFill>
                   <a:schemeClr val="bg1"/>
                 </a:solidFill>
+                <a:latin typeface="Assistant SemiBold" panose="00000700000000000000" pitchFamily="2" charset="-79"/>
+                <a:cs typeface="Assistant SemiBold" panose="00000700000000000000" pitchFamily="2" charset="-79"/>
               </a:rPr>
               <a:t>“A Calm and Gentle Quiet Reigns Tonight”</a:t>
             </a:r>
@@ -3052,8 +3056,8 @@
         </p:nvSpPr>
         <p:spPr>
           <a:xfrm>
-            <a:off x="0" y="215807"/>
-            <a:ext cx="12192000" cy="5078313"/>
+            <a:off x="0" y="729571"/>
+            <a:ext cx="12192000" cy="3970318"/>
           </a:xfrm>
           <a:prstGeom prst="rect">
             <a:avLst/>
@@ -3068,10 +3072,12 @@
           <a:p>
             <a:pPr algn="ctr"/>
             <a:r>
-              <a:rPr lang="en-US" sz="3600" dirty="0">
+              <a:rPr lang="en-US" sz="2800" spc="50" dirty="0">
                 <a:solidFill>
                   <a:schemeClr val="bg1"/>
                 </a:solidFill>
+                <a:latin typeface="Assistant" panose="00000500000000000000" pitchFamily="2" charset="-79"/>
+                <a:cs typeface="Assistant" panose="00000500000000000000" pitchFamily="2" charset="-79"/>
               </a:rPr>
               <a:t>A calm and gentle quiet reigns tonight;</a:t>
             </a:r>
@@ -3079,10 +3085,12 @@
           <a:p>
             <a:pPr algn="ctr"/>
             <a:r>
-              <a:rPr lang="en-US" sz="3600" dirty="0">
+              <a:rPr lang="en-US" sz="2800" spc="50" dirty="0">
                 <a:solidFill>
                   <a:schemeClr val="bg1"/>
                 </a:solidFill>
+                <a:latin typeface="Assistant" panose="00000500000000000000" pitchFamily="2" charset="-79"/>
+                <a:cs typeface="Assistant" panose="00000500000000000000" pitchFamily="2" charset="-79"/>
               </a:rPr>
               <a:t>There’s not a cloud upon a single brow;</a:t>
             </a:r>
@@ -3090,10 +3098,12 @@
           <a:p>
             <a:pPr algn="ctr"/>
             <a:r>
-              <a:rPr lang="en-US" sz="3600" dirty="0">
+              <a:rPr lang="en-US" sz="2800" spc="50" dirty="0">
                 <a:solidFill>
                   <a:schemeClr val="bg1"/>
                 </a:solidFill>
+                <a:latin typeface="Assistant" panose="00000500000000000000" pitchFamily="2" charset="-79"/>
+                <a:cs typeface="Assistant" panose="00000500000000000000" pitchFamily="2" charset="-79"/>
               </a:rPr>
               <a:t>And every heart is swelling with delight,</a:t>
             </a:r>
@@ -3101,29 +3111,35 @@
           <a:p>
             <a:pPr algn="ctr"/>
             <a:r>
-              <a:rPr lang="en-US" sz="3600" dirty="0">
+              <a:rPr lang="en-US" sz="2800" spc="50" dirty="0">
                 <a:solidFill>
                   <a:schemeClr val="bg1"/>
                 </a:solidFill>
+                <a:latin typeface="Assistant" panose="00000500000000000000" pitchFamily="2" charset="-79"/>
+                <a:cs typeface="Assistant" panose="00000500000000000000" pitchFamily="2" charset="-79"/>
               </a:rPr>
               <a:t>For peace is brooding sweetly o’er us now;</a:t>
             </a:r>
           </a:p>
           <a:p>
             <a:pPr algn="ctr"/>
-            <a:endParaRPr lang="en-US" sz="3600" dirty="0">
+            <a:endParaRPr lang="en-US" sz="2800" spc="50" dirty="0">
               <a:solidFill>
                 <a:schemeClr val="bg1"/>
               </a:solidFill>
+              <a:latin typeface="Assistant" panose="00000500000000000000" pitchFamily="2" charset="-79"/>
+              <a:cs typeface="Assistant" panose="00000500000000000000" pitchFamily="2" charset="-79"/>
             </a:endParaRPr>
           </a:p>
           <a:p>
             <a:pPr algn="ctr"/>
             <a:r>
-              <a:rPr lang="en-US" sz="3600" dirty="0">
+              <a:rPr lang="en-US" sz="2800" spc="50" dirty="0">
                 <a:solidFill>
                   <a:schemeClr val="bg1"/>
                 </a:solidFill>
+                <a:latin typeface="Assistant" panose="00000500000000000000" pitchFamily="2" charset="-79"/>
+                <a:cs typeface="Assistant" panose="00000500000000000000" pitchFamily="2" charset="-79"/>
               </a:rPr>
               <a:t>And every bosom feels the thrilling touch</a:t>
             </a:r>
@@ -3131,10 +3147,12 @@
           <a:p>
             <a:pPr algn="ctr"/>
             <a:r>
-              <a:rPr lang="en-US" sz="3600" dirty="0">
+              <a:rPr lang="en-US" sz="2800" spc="50" dirty="0">
                 <a:solidFill>
                   <a:schemeClr val="bg1"/>
                 </a:solidFill>
+                <a:latin typeface="Assistant" panose="00000500000000000000" pitchFamily="2" charset="-79"/>
+                <a:cs typeface="Assistant" panose="00000500000000000000" pitchFamily="2" charset="-79"/>
               </a:rPr>
               <a:t>Of spirit and the touch of holy fire,</a:t>
             </a:r>
@@ -3142,10 +3160,12 @@
           <a:p>
             <a:pPr algn="ctr"/>
             <a:r>
-              <a:rPr lang="en-US" sz="3600" dirty="0">
+              <a:rPr lang="en-US" sz="2800" spc="50" dirty="0">
                 <a:solidFill>
                   <a:schemeClr val="bg1"/>
                 </a:solidFill>
+                <a:latin typeface="Assistant" panose="00000500000000000000" pitchFamily="2" charset="-79"/>
+                <a:cs typeface="Assistant" panose="00000500000000000000" pitchFamily="2" charset="-79"/>
               </a:rPr>
               <a:t>The precious boon for which we pray so much,</a:t>
             </a:r>
@@ -3153,10 +3173,12 @@
           <a:p>
             <a:pPr algn="ctr"/>
             <a:r>
-              <a:rPr lang="en-US" sz="3600" dirty="0">
+              <a:rPr lang="en-US" sz="2800" spc="50" dirty="0">
                 <a:solidFill>
                   <a:schemeClr val="bg1"/>
                 </a:solidFill>
+                <a:latin typeface="Assistant" panose="00000500000000000000" pitchFamily="2" charset="-79"/>
+                <a:cs typeface="Assistant" panose="00000500000000000000" pitchFamily="2" charset="-79"/>
               </a:rPr>
               <a:t>In answer to our earnest hearts’ desire.</a:t>
             </a:r>
@@ -3258,8 +3280,8 @@
         </p:nvSpPr>
         <p:spPr>
           <a:xfrm>
-            <a:off x="0" y="5804209"/>
-            <a:ext cx="12192000" cy="830997"/>
+            <a:off x="0" y="5927320"/>
+            <a:ext cx="12192000" cy="584775"/>
           </a:xfrm>
           <a:prstGeom prst="rect">
             <a:avLst/>
@@ -3274,10 +3296,12 @@
           <a:p>
             <a:pPr algn="ctr"/>
             <a:r>
-              <a:rPr lang="en-US" sz="4800" dirty="0">
+              <a:rPr lang="en-US" sz="3200" u="sng" dirty="0">
                 <a:solidFill>
                   <a:schemeClr val="bg1"/>
                 </a:solidFill>
+                <a:latin typeface="Assistant SemiBold" panose="00000700000000000000" pitchFamily="2" charset="-79"/>
+                <a:cs typeface="Assistant SemiBold" panose="00000700000000000000" pitchFamily="2" charset="-79"/>
               </a:rPr>
               <a:t>“A Calm and Gentle Quiet Reigns Tonight”</a:t>
             </a:r>
@@ -3292,8 +3316,8 @@
         </p:nvSpPr>
         <p:spPr>
           <a:xfrm>
-            <a:off x="0" y="215807"/>
-            <a:ext cx="12192000" cy="5078313"/>
+            <a:off x="0" y="729571"/>
+            <a:ext cx="12192000" cy="3970318"/>
           </a:xfrm>
           <a:prstGeom prst="rect">
             <a:avLst/>
@@ -3308,10 +3332,12 @@
           <a:p>
             <a:pPr algn="ctr"/>
             <a:r>
-              <a:rPr lang="en-US" sz="3600" dirty="0">
+              <a:rPr lang="en-US" sz="2800" spc="50" dirty="0">
                 <a:solidFill>
                   <a:schemeClr val="bg1"/>
                 </a:solidFill>
+                <a:latin typeface="Assistant" panose="00000500000000000000" pitchFamily="2" charset="-79"/>
+                <a:cs typeface="Assistant" panose="00000500000000000000" pitchFamily="2" charset="-79"/>
               </a:rPr>
               <a:t>We thank the Lord that we have lived to see</a:t>
             </a:r>
@@ -3319,10 +3345,12 @@
           <a:p>
             <a:pPr algn="ctr"/>
             <a:r>
-              <a:rPr lang="en-US" sz="3600" dirty="0">
+              <a:rPr lang="en-US" sz="2800" spc="50" dirty="0">
                 <a:solidFill>
                   <a:schemeClr val="bg1"/>
                 </a:solidFill>
+                <a:latin typeface="Assistant" panose="00000500000000000000" pitchFamily="2" charset="-79"/>
+                <a:cs typeface="Assistant" panose="00000500000000000000" pitchFamily="2" charset="-79"/>
               </a:rPr>
               <a:t>The good He bringeth in this latter day;</a:t>
             </a:r>
@@ -3330,10 +3358,12 @@
           <a:p>
             <a:pPr algn="ctr"/>
             <a:r>
-              <a:rPr lang="en-US" sz="3600" dirty="0">
+              <a:rPr lang="en-US" sz="2800" spc="50" dirty="0">
                 <a:solidFill>
                   <a:schemeClr val="bg1"/>
                 </a:solidFill>
+                <a:latin typeface="Assistant" panose="00000500000000000000" pitchFamily="2" charset="-79"/>
+                <a:cs typeface="Assistant" panose="00000500000000000000" pitchFamily="2" charset="-79"/>
               </a:rPr>
               <a:t>Our earnest prayers to Him shall ever be</a:t>
             </a:r>
@@ -3341,29 +3371,35 @@
           <a:p>
             <a:pPr algn="ctr"/>
             <a:r>
-              <a:rPr lang="en-US" sz="3600" dirty="0">
+              <a:rPr lang="en-US" sz="2800" spc="50" dirty="0">
                 <a:solidFill>
                   <a:schemeClr val="bg1"/>
                 </a:solidFill>
+                <a:latin typeface="Assistant" panose="00000500000000000000" pitchFamily="2" charset="-79"/>
+                <a:cs typeface="Assistant" panose="00000500000000000000" pitchFamily="2" charset="-79"/>
               </a:rPr>
               <a:t>To keep our feet within the narrow way,</a:t>
             </a:r>
           </a:p>
           <a:p>
             <a:pPr algn="ctr"/>
-            <a:endParaRPr lang="en-US" sz="3600" dirty="0">
+            <a:endParaRPr lang="en-US" sz="2800" spc="50" dirty="0">
               <a:solidFill>
                 <a:schemeClr val="bg1"/>
               </a:solidFill>
+              <a:latin typeface="Assistant" panose="00000500000000000000" pitchFamily="2" charset="-79"/>
+              <a:cs typeface="Assistant" panose="00000500000000000000" pitchFamily="2" charset="-79"/>
             </a:endParaRPr>
           </a:p>
           <a:p>
             <a:pPr algn="ctr"/>
             <a:r>
-              <a:rPr lang="en-US" sz="3600" dirty="0">
+              <a:rPr lang="en-US" sz="2800" spc="50" dirty="0">
                 <a:solidFill>
                   <a:schemeClr val="bg1"/>
                 </a:solidFill>
+                <a:latin typeface="Assistant" panose="00000500000000000000" pitchFamily="2" charset="-79"/>
+                <a:cs typeface="Assistant" panose="00000500000000000000" pitchFamily="2" charset="-79"/>
               </a:rPr>
               <a:t>For we have walked in darkness hitherto,</a:t>
             </a:r>
@@ -3371,10 +3407,12 @@
           <a:p>
             <a:pPr algn="ctr"/>
             <a:r>
-              <a:rPr lang="en-US" sz="3600" dirty="0">
+              <a:rPr lang="en-US" sz="2800" spc="50" dirty="0">
                 <a:solidFill>
                   <a:schemeClr val="bg1"/>
                 </a:solidFill>
+                <a:latin typeface="Assistant" panose="00000500000000000000" pitchFamily="2" charset="-79"/>
+                <a:cs typeface="Assistant" panose="00000500000000000000" pitchFamily="2" charset="-79"/>
               </a:rPr>
               <a:t>And had but just a little ray of light,</a:t>
             </a:r>
@@ -3382,10 +3420,12 @@
           <a:p>
             <a:pPr algn="ctr"/>
             <a:r>
-              <a:rPr lang="en-US" sz="3600" dirty="0">
+              <a:rPr lang="en-US" sz="2800" spc="50" dirty="0">
                 <a:solidFill>
                   <a:schemeClr val="bg1"/>
                 </a:solidFill>
+                <a:latin typeface="Assistant" panose="00000500000000000000" pitchFamily="2" charset="-79"/>
+                <a:cs typeface="Assistant" panose="00000500000000000000" pitchFamily="2" charset="-79"/>
               </a:rPr>
               <a:t>But now the blessings fall as morning dew,</a:t>
             </a:r>
@@ -3393,10 +3433,12 @@
           <a:p>
             <a:pPr algn="ctr"/>
             <a:r>
-              <a:rPr lang="en-US" sz="3600" dirty="0">
+              <a:rPr lang="en-US" sz="2800" spc="50" dirty="0">
                 <a:solidFill>
                   <a:schemeClr val="bg1"/>
                 </a:solidFill>
+                <a:latin typeface="Assistant" panose="00000500000000000000" pitchFamily="2" charset="-79"/>
+                <a:cs typeface="Assistant" panose="00000500000000000000" pitchFamily="2" charset="-79"/>
               </a:rPr>
               <a:t>And truth is shining as the morning bright.</a:t>
             </a:r>
@@ -3498,8 +3540,8 @@
         </p:nvSpPr>
         <p:spPr>
           <a:xfrm>
-            <a:off x="0" y="5804209"/>
-            <a:ext cx="12192000" cy="830997"/>
+            <a:off x="0" y="5927320"/>
+            <a:ext cx="12192000" cy="584775"/>
           </a:xfrm>
           <a:prstGeom prst="rect">
             <a:avLst/>
@@ -3514,10 +3556,12 @@
           <a:p>
             <a:pPr algn="ctr"/>
             <a:r>
-              <a:rPr lang="en-US" sz="4800" dirty="0">
+              <a:rPr lang="en-US" sz="3200" u="sng" dirty="0">
                 <a:solidFill>
                   <a:schemeClr val="bg1"/>
                 </a:solidFill>
+                <a:latin typeface="Assistant SemiBold" panose="00000700000000000000" pitchFamily="2" charset="-79"/>
+                <a:cs typeface="Assistant SemiBold" panose="00000700000000000000" pitchFamily="2" charset="-79"/>
               </a:rPr>
               <a:t>“A Calm and Gentle Quiet Reigns Tonight”</a:t>
             </a:r>
@@ -3532,8 +3576,8 @@
         </p:nvSpPr>
         <p:spPr>
           <a:xfrm>
-            <a:off x="0" y="215807"/>
-            <a:ext cx="12192000" cy="5078313"/>
+            <a:off x="0" y="729571"/>
+            <a:ext cx="12192000" cy="3970318"/>
           </a:xfrm>
           <a:prstGeom prst="rect">
             <a:avLst/>
@@ -3548,10 +3592,12 @@
           <a:p>
             <a:pPr algn="ctr"/>
             <a:r>
-              <a:rPr lang="en-US" sz="3600" dirty="0">
+              <a:rPr lang="en-US" sz="2800" spc="50" dirty="0">
                 <a:solidFill>
                   <a:schemeClr val="bg1"/>
                 </a:solidFill>
+                <a:latin typeface="Assistant" panose="00000500000000000000" pitchFamily="2" charset="-79"/>
+                <a:cs typeface="Assistant" panose="00000500000000000000" pitchFamily="2" charset="-79"/>
               </a:rPr>
               <a:t>We must not wait, for now the time is ours,</a:t>
             </a:r>
@@ -3559,10 +3605,12 @@
           <a:p>
             <a:pPr algn="ctr"/>
             <a:r>
-              <a:rPr lang="en-US" sz="3600" dirty="0">
+              <a:rPr lang="en-US" sz="2800" spc="50" dirty="0">
                 <a:solidFill>
                   <a:schemeClr val="bg1"/>
                 </a:solidFill>
+                <a:latin typeface="Assistant" panose="00000500000000000000" pitchFamily="2" charset="-79"/>
+                <a:cs typeface="Assistant" panose="00000500000000000000" pitchFamily="2" charset="-79"/>
               </a:rPr>
               <a:t>And if I wait, another waits for me;</a:t>
             </a:r>
@@ -3570,10 +3618,12 @@
           <a:p>
             <a:pPr algn="ctr"/>
             <a:r>
-              <a:rPr lang="en-US" sz="3600" dirty="0">
+              <a:rPr lang="en-US" sz="2800" spc="50" dirty="0">
                 <a:solidFill>
                   <a:schemeClr val="bg1"/>
                 </a:solidFill>
+                <a:latin typeface="Assistant" panose="00000500000000000000" pitchFamily="2" charset="-79"/>
+                <a:cs typeface="Assistant" panose="00000500000000000000" pitchFamily="2" charset="-79"/>
               </a:rPr>
               <a:t>We see the workings of contending powers;</a:t>
             </a:r>
@@ -3581,70 +3631,74 @@
           <a:p>
             <a:pPr algn="ctr"/>
             <a:r>
-              <a:rPr lang="en-US" sz="3600">
+              <a:rPr lang="en-US" sz="2800" spc="50" dirty="0">
                 <a:solidFill>
                   <a:schemeClr val="bg1"/>
                 </a:solidFill>
+                <a:latin typeface="Assistant" panose="00000500000000000000" pitchFamily="2" charset="-79"/>
+                <a:cs typeface="Assistant" panose="00000500000000000000" pitchFamily="2" charset="-79"/>
               </a:rPr>
-              <a:t>The </a:t>
-            </a:r>
-            <a:r>
-              <a:rPr lang="en-US" sz="3600" dirty="0">
+              <a:t>The darkness and the holy light we see.</a:t>
+            </a:r>
+          </a:p>
+          <a:p>
+            <a:pPr algn="ctr"/>
+            <a:endParaRPr lang="en-US" sz="2800" spc="50" dirty="0">
+              <a:solidFill>
+                <a:schemeClr val="bg1"/>
+              </a:solidFill>
+              <a:latin typeface="Assistant" panose="00000500000000000000" pitchFamily="2" charset="-79"/>
+              <a:cs typeface="Assistant" panose="00000500000000000000" pitchFamily="2" charset="-79"/>
+            </a:endParaRPr>
+          </a:p>
+          <a:p>
+            <a:pPr algn="ctr"/>
+            <a:r>
+              <a:rPr lang="en-US" sz="2800" spc="50" dirty="0">
                 <a:solidFill>
                   <a:schemeClr val="bg1"/>
                 </a:solidFill>
+                <a:latin typeface="Assistant" panose="00000500000000000000" pitchFamily="2" charset="-79"/>
+                <a:cs typeface="Assistant" panose="00000500000000000000" pitchFamily="2" charset="-79"/>
               </a:rPr>
-              <a:t>darkness and the holy light we see.</a:t>
+              <a:t>Then let us render service to the Lord,</a:t>
             </a:r>
           </a:p>
           <a:p>
             <a:pPr algn="ctr"/>
-            <a:endParaRPr lang="en-US" sz="3600" dirty="0">
-              <a:solidFill>
-                <a:schemeClr val="bg1"/>
-              </a:solidFill>
-            </a:endParaRPr>
-          </a:p>
-          <a:p>
-            <a:pPr algn="ctr"/>
-            <a:r>
-              <a:rPr lang="en-US" sz="3600" dirty="0">
+            <a:r>
+              <a:rPr lang="en-US" sz="2800" spc="50" dirty="0">
                 <a:solidFill>
                   <a:schemeClr val="bg1"/>
                 </a:solidFill>
+                <a:latin typeface="Assistant" panose="00000500000000000000" pitchFamily="2" charset="-79"/>
+                <a:cs typeface="Assistant" panose="00000500000000000000" pitchFamily="2" charset="-79"/>
               </a:rPr>
-              <a:t>Then let us render service to the Lord,</a:t>
+              <a:t>And drive those clouds of fear and doubt away,</a:t>
             </a:r>
           </a:p>
           <a:p>
             <a:pPr algn="ctr"/>
             <a:r>
-              <a:rPr lang="en-US" sz="3600" dirty="0">
+              <a:rPr lang="en-US" sz="2800" spc="50" dirty="0">
                 <a:solidFill>
                   <a:schemeClr val="bg1"/>
                 </a:solidFill>
+                <a:latin typeface="Assistant" panose="00000500000000000000" pitchFamily="2" charset="-79"/>
+                <a:cs typeface="Assistant" panose="00000500000000000000" pitchFamily="2" charset="-79"/>
               </a:rPr>
-              <a:t>And drive those clouds of fear and doubt away,</a:t>
+              <a:t>That we may all rejoice with one accord</a:t>
             </a:r>
           </a:p>
           <a:p>
             <a:pPr algn="ctr"/>
             <a:r>
-              <a:rPr lang="en-US" sz="3600" dirty="0">
+              <a:rPr lang="en-US" sz="2800" spc="50" dirty="0">
                 <a:solidFill>
                   <a:schemeClr val="bg1"/>
                 </a:solidFill>
-              </a:rPr>
-              <a:t>That we may all rejoice with one accord</a:t>
-            </a:r>
-          </a:p>
-          <a:p>
-            <a:pPr algn="ctr"/>
-            <a:r>
-              <a:rPr lang="en-US" sz="3600" dirty="0">
-                <a:solidFill>
-                  <a:schemeClr val="bg1"/>
-                </a:solidFill>
+                <a:latin typeface="Assistant" panose="00000500000000000000" pitchFamily="2" charset="-79"/>
+                <a:cs typeface="Assistant" panose="00000500000000000000" pitchFamily="2" charset="-79"/>
               </a:rPr>
               <a:t>Until the dawning of that perfect day.</a:t>
             </a:r>
